--- a/8.1 Basic Probability (Part 1-STA201).pptx
+++ b/8.1 Basic Probability (Part 1-STA201).pptx
@@ -6424,7 +6424,7 @@
           <a:p>
             <a:fld id="{97B34786-0A07-4281-A7C3-7630DD8912B6}" type="datetimeFigureOut">
               <a:rPr lang="en-US" smtClean="0"/>
-              <a:t>12/3/2024</a:t>
+              <a:t>4/7/2025</a:t>
             </a:fld>
             <a:endParaRPr lang="en-US"/>
           </a:p>
@@ -6603,7 +6603,7 @@
           <a:p>
             <a:fld id="{97B34786-0A07-4281-A7C3-7630DD8912B6}" type="datetimeFigureOut">
               <a:rPr lang="en-US" smtClean="0"/>
-              <a:t>12/3/2024</a:t>
+              <a:t>4/7/2025</a:t>
             </a:fld>
             <a:endParaRPr lang="en-US"/>
           </a:p>
@@ -6783,7 +6783,7 @@
           <a:p>
             <a:fld id="{97B34786-0A07-4281-A7C3-7630DD8912B6}" type="datetimeFigureOut">
               <a:rPr lang="en-US" smtClean="0"/>
-              <a:t>12/3/2024</a:t>
+              <a:t>4/7/2025</a:t>
             </a:fld>
             <a:endParaRPr lang="en-US"/>
           </a:p>
@@ -6958,7 +6958,7 @@
           <a:p>
             <a:fld id="{97B34786-0A07-4281-A7C3-7630DD8912B6}" type="datetimeFigureOut">
               <a:rPr lang="en-US" smtClean="0"/>
-              <a:t>12/3/2024</a:t>
+              <a:t>4/7/2025</a:t>
             </a:fld>
             <a:endParaRPr lang="en-US"/>
           </a:p>
@@ -7128,7 +7128,7 @@
           <a:p>
             <a:fld id="{97B34786-0A07-4281-A7C3-7630DD8912B6}" type="datetimeFigureOut">
               <a:rPr lang="en-US" smtClean="0"/>
-              <a:t>12/3/2024</a:t>
+              <a:t>4/7/2025</a:t>
             </a:fld>
             <a:endParaRPr lang="en-US"/>
           </a:p>
@@ -7441,7 +7441,7 @@
           <a:p>
             <a:fld id="{97B34786-0A07-4281-A7C3-7630DD8912B6}" type="datetimeFigureOut">
               <a:rPr lang="en-US" smtClean="0"/>
-              <a:t>12/3/2024</a:t>
+              <a:t>4/7/2025</a:t>
             </a:fld>
             <a:endParaRPr lang="en-US"/>
           </a:p>
@@ -7827,7 +7827,7 @@
           <a:p>
             <a:fld id="{97B34786-0A07-4281-A7C3-7630DD8912B6}" type="datetimeFigureOut">
               <a:rPr lang="en-US" smtClean="0"/>
-              <a:t>12/3/2024</a:t>
+              <a:t>4/7/2025</a:t>
             </a:fld>
             <a:endParaRPr lang="en-US"/>
           </a:p>
@@ -8261,7 +8261,7 @@
           <a:p>
             <a:fld id="{97B34786-0A07-4281-A7C3-7630DD8912B6}" type="datetimeFigureOut">
               <a:rPr lang="en-US" smtClean="0"/>
-              <a:t>12/3/2024</a:t>
+              <a:t>4/7/2025</a:t>
             </a:fld>
             <a:endParaRPr lang="en-US"/>
           </a:p>
@@ -8379,7 +8379,7 @@
           <a:p>
             <a:fld id="{97B34786-0A07-4281-A7C3-7630DD8912B6}" type="datetimeFigureOut">
               <a:rPr lang="en-US" smtClean="0"/>
-              <a:t>12/3/2024</a:t>
+              <a:t>4/7/2025</a:t>
             </a:fld>
             <a:endParaRPr lang="en-US"/>
           </a:p>
@@ -8474,7 +8474,7 @@
           <a:p>
             <a:fld id="{97B34786-0A07-4281-A7C3-7630DD8912B6}" type="datetimeFigureOut">
               <a:rPr lang="en-US" smtClean="0"/>
-              <a:t>12/3/2024</a:t>
+              <a:t>4/7/2025</a:t>
             </a:fld>
             <a:endParaRPr lang="en-US"/>
           </a:p>
@@ -8824,7 +8824,7 @@
           <a:p>
             <a:fld id="{97B34786-0A07-4281-A7C3-7630DD8912B6}" type="datetimeFigureOut">
               <a:rPr lang="en-US" smtClean="0"/>
-              <a:t>12/3/2024</a:t>
+              <a:t>4/7/2025</a:t>
             </a:fld>
             <a:endParaRPr lang="en-US"/>
           </a:p>
@@ -9249,7 +9249,7 @@
           <a:p>
             <a:fld id="{97B34786-0A07-4281-A7C3-7630DD8912B6}" type="datetimeFigureOut">
               <a:rPr lang="en-US" smtClean="0"/>
-              <a:t>12/3/2024</a:t>
+              <a:t>4/7/2025</a:t>
             </a:fld>
             <a:endParaRPr lang="en-US"/>
           </a:p>
@@ -9530,7 +9530,7 @@
           <a:p>
             <a:fld id="{97B34786-0A07-4281-A7C3-7630DD8912B6}" type="datetimeFigureOut">
               <a:rPr lang="en-US" smtClean="0"/>
-              <a:t>12/3/2024</a:t>
+              <a:t>4/7/2025</a:t>
             </a:fld>
             <a:endParaRPr lang="en-US"/>
           </a:p>
@@ -23184,129 +23184,6 @@
   <p:clrMapOvr>
     <a:masterClrMapping/>
   </p:clrMapOvr>
-  <p:timing>
-    <p:tnLst>
-      <p:par>
-        <p:cTn id="1" dur="indefinite" restart="never" nodeType="tmRoot">
-          <p:childTnLst>
-            <p:seq concurrent="1" nextAc="seek">
-              <p:cTn id="2" dur="indefinite" nodeType="mainSeq">
-                <p:childTnLst>
-                  <p:par>
-                    <p:cTn id="3" fill="hold">
-                      <p:stCondLst>
-                        <p:cond delay="indefinite"/>
-                      </p:stCondLst>
-                      <p:childTnLst>
-                        <p:par>
-                          <p:cTn id="4" fill="hold">
-                            <p:stCondLst>
-                              <p:cond delay="0"/>
-                            </p:stCondLst>
-                            <p:childTnLst>
-                              <p:par>
-                                <p:cTn id="5" presetID="1" presetClass="entr" presetSubtype="0" fill="hold" nodeType="clickEffect">
-                                  <p:stCondLst>
-                                    <p:cond delay="0"/>
-                                  </p:stCondLst>
-                                  <p:childTnLst>
-                                    <p:set>
-                                      <p:cBhvr>
-                                        <p:cTn id="6" dur="1" fill="hold">
-                                          <p:stCondLst>
-                                            <p:cond delay="0"/>
-                                          </p:stCondLst>
-                                        </p:cTn>
-                                        <p:tgtEl>
-                                          <p:spTgt spid="4100"/>
-                                        </p:tgtEl>
-                                        <p:attrNameLst>
-                                          <p:attrName>style.visibility</p:attrName>
-                                        </p:attrNameLst>
-                                      </p:cBhvr>
-                                      <p:to>
-                                        <p:strVal val="visible"/>
-                                      </p:to>
-                                    </p:set>
-                                  </p:childTnLst>
-                                </p:cTn>
-                              </p:par>
-                            </p:childTnLst>
-                          </p:cTn>
-                        </p:par>
-                      </p:childTnLst>
-                    </p:cTn>
-                  </p:par>
-                  <p:par>
-                    <p:cTn id="7" fill="hold">
-                      <p:stCondLst>
-                        <p:cond delay="indefinite"/>
-                      </p:stCondLst>
-                      <p:childTnLst>
-                        <p:par>
-                          <p:cTn id="8" fill="hold">
-                            <p:stCondLst>
-                              <p:cond delay="0"/>
-                            </p:stCondLst>
-                            <p:childTnLst>
-                              <p:par>
-                                <p:cTn id="9" presetID="1" presetClass="entr" presetSubtype="0" fill="hold" grpId="0" nodeType="clickEffect">
-                                  <p:stCondLst>
-                                    <p:cond delay="0"/>
-                                  </p:stCondLst>
-                                  <p:childTnLst>
-                                    <p:set>
-                                      <p:cBhvr>
-                                        <p:cTn id="10" dur="1" fill="hold">
-                                          <p:stCondLst>
-                                            <p:cond delay="0"/>
-                                          </p:stCondLst>
-                                        </p:cTn>
-                                        <p:tgtEl>
-                                          <p:spTgt spid="3"/>
-                                        </p:tgtEl>
-                                        <p:attrNameLst>
-                                          <p:attrName>style.visibility</p:attrName>
-                                        </p:attrNameLst>
-                                      </p:cBhvr>
-                                      <p:to>
-                                        <p:strVal val="visible"/>
-                                      </p:to>
-                                    </p:set>
-                                  </p:childTnLst>
-                                </p:cTn>
-                              </p:par>
-                            </p:childTnLst>
-                          </p:cTn>
-                        </p:par>
-                      </p:childTnLst>
-                    </p:cTn>
-                  </p:par>
-                </p:childTnLst>
-              </p:cTn>
-              <p:prevCondLst>
-                <p:cond evt="onPrev" delay="0">
-                  <p:tgtEl>
-                    <p:sldTgt/>
-                  </p:tgtEl>
-                </p:cond>
-              </p:prevCondLst>
-              <p:nextCondLst>
-                <p:cond evt="onNext" delay="0">
-                  <p:tgtEl>
-                    <p:sldTgt/>
-                  </p:tgtEl>
-                </p:cond>
-              </p:nextCondLst>
-            </p:seq>
-          </p:childTnLst>
-        </p:cTn>
-      </p:par>
-    </p:tnLst>
-    <p:bldLst>
-      <p:bldP spid="3" grpId="0" animBg="1"/>
-    </p:bldLst>
-  </p:timing>
 </p:sld>
 </file>
 
@@ -44284,33 +44161,15 @@
                                   </p:childTnLst>
                                 </p:cTn>
                               </p:par>
-                            </p:childTnLst>
-                          </p:cTn>
-                        </p:par>
-                      </p:childTnLst>
-                    </p:cTn>
-                  </p:par>
-                  <p:par>
-                    <p:cTn id="7" fill="hold">
-                      <p:stCondLst>
-                        <p:cond delay="indefinite"/>
-                      </p:stCondLst>
-                      <p:childTnLst>
-                        <p:par>
-                          <p:cTn id="8" fill="hold">
-                            <p:stCondLst>
-                              <p:cond delay="0"/>
-                            </p:stCondLst>
-                            <p:childTnLst>
                               <p:par>
-                                <p:cTn id="9" presetID="1" presetClass="entr" presetSubtype="0" fill="hold" nodeType="clickEffect">
+                                <p:cTn id="7" presetID="1" presetClass="entr" presetSubtype="0" fill="hold" nodeType="withEffect">
                                   <p:stCondLst>
                                     <p:cond delay="0"/>
                                   </p:stCondLst>
                                   <p:childTnLst>
                                     <p:set>
                                       <p:cBhvr>
-                                        <p:cTn id="10" dur="1" fill="hold">
+                                        <p:cTn id="8" dur="1" fill="hold">
                                           <p:stCondLst>
                                             <p:cond delay="0"/>
                                           </p:stCondLst>
